--- a/Lead Score Assignment.pptx
+++ b/Lead Score Assignment.pptx
@@ -16382,23 +16382,14 @@
               <a:buChar char="•"/>
             </a:pPr>
             <a:r>
-              <a:rPr lang="en-US" dirty="0">
-                <a:latin typeface="+mj-lt"/>
-              </a:rPr>
-              <a:t>Shakti </a:t>
-            </a:r>
-            <a:r>
               <a:rPr lang="en-US" dirty="0" err="1">
                 <a:latin typeface="+mj-lt"/>
               </a:rPr>
-              <a:t>Tirni</a:t>
+              <a:t>Shaktiprasanna</a:t>
             </a:r>
-            <a:r>
-              <a:rPr lang="en-US" dirty="0">
-                <a:latin typeface="+mj-lt"/>
-              </a:rPr>
-              <a:t> </a:t>
-            </a:r>
+            <a:endParaRPr lang="en-US" dirty="0">
+              <a:latin typeface="+mj-lt"/>
+            </a:endParaRPr>
           </a:p>
           <a:p>
             <a:r>
@@ -17664,15 +17655,6 @@
           <a:solidFill>
             <a:srgbClr val="FFFFFF"/>
           </a:solidFill>
-          <a:extLst>
-            <a:ext uri="{909E8E84-426E-40DD-AFC4-6F175D3DCCD1}">
-              <a14:hiddenFill xmlns:a14="http://schemas.microsoft.com/office/drawing/2010/main">
-                <a:solidFill>
-                  <a:srgbClr val="FFFFFF"/>
-                </a:solidFill>
-              </a14:hiddenFill>
-            </a:ext>
-          </a:extLst>
         </p:spPr>
       </p:pic>
       <p:sp>
@@ -20219,24 +20201,6 @@
 </file>
 
 <file path=customXml/item1.xml><?xml version="1.0" encoding="utf-8"?>
-<?mso-contentType ?>
-<FormTemplates xmlns="http://schemas.microsoft.com/sharepoint/v3/contenttype/forms">
-  <Display>DocumentLibraryForm</Display>
-  <Edit>DocumentLibraryForm</Edit>
-  <New>DocumentLibraryForm</New>
-</FormTemplates>
-</file>
-
-<file path=customXml/item2.xml><?xml version="1.0" encoding="utf-8"?>
-<p:properties xmlns:p="http://schemas.microsoft.com/office/2006/metadata/properties" xmlns:xsi="http://www.w3.org/2001/XMLSchema-instance" xmlns:pc="http://schemas.microsoft.com/office/infopath/2007/PartnerControls">
-  <documentManagement>
-    <Status xmlns="71af3243-3dd4-4a8d-8c0d-dd76da1f02a5">Not started</Status>
-    <MediaServiceKeyPoints xmlns="71af3243-3dd4-4a8d-8c0d-dd76da1f02a5" xsi:nil="true"/>
-  </documentManagement>
-</p:properties>
-</file>
-
-<file path=customXml/item3.xml><?xml version="1.0" encoding="utf-8"?>
 <ct:contentTypeSchema xmlns:ct="http://schemas.microsoft.com/office/2006/metadata/contentType" xmlns:ma="http://schemas.microsoft.com/office/2006/metadata/properties/metaAttributes" ct:_="" ma:_="" ma:contentTypeName="Document" ma:contentTypeID="0x01010079F111ED35F8CC479449609E8A0923A6" ma:contentTypeVersion="12" ma:contentTypeDescription="Create a new document." ma:contentTypeScope="" ma:versionID="426e97fa315356fffbdcd9876fe988c2">
   <xsd:schema xmlns:xsd="http://www.w3.org/2001/XMLSchema" xmlns:xs="http://www.w3.org/2001/XMLSchema" xmlns:p="http://schemas.microsoft.com/office/2006/metadata/properties" xmlns:ns2="71af3243-3dd4-4a8d-8c0d-dd76da1f02a5" xmlns:ns3="16c05727-aa75-4e4a-9b5f-8a80a1165891" targetNamespace="http://schemas.microsoft.com/office/2006/metadata/properties" ma:root="true" ma:fieldsID="14b8f0def80e6d70ce3def20c90759ae" ns2:_="" ns3:_="">
     <xsd:import namespace="71af3243-3dd4-4a8d-8c0d-dd76da1f02a5"/>
@@ -20457,25 +20421,25 @@
 </ct:contentTypeSchema>
 </file>
 
-<file path=customXml/itemProps1.xml><?xml version="1.0" encoding="utf-8"?>
-<ds:datastoreItem xmlns:ds="http://schemas.openxmlformats.org/officeDocument/2006/customXml" ds:itemID="{1D20B6E4-879E-4E6C-BDE7-261540CD3765}">
-  <ds:schemaRefs>
-    <ds:schemaRef ds:uri="http://schemas.microsoft.com/sharepoint/v3/contenttype/forms"/>
-  </ds:schemaRefs>
-</ds:datastoreItem>
+<file path=customXml/item2.xml><?xml version="1.0" encoding="utf-8"?>
+<p:properties xmlns:p="http://schemas.microsoft.com/office/2006/metadata/properties" xmlns:xsi="http://www.w3.org/2001/XMLSchema-instance" xmlns:pc="http://schemas.microsoft.com/office/infopath/2007/PartnerControls">
+  <documentManagement>
+    <Status xmlns="71af3243-3dd4-4a8d-8c0d-dd76da1f02a5">Not started</Status>
+    <MediaServiceKeyPoints xmlns="71af3243-3dd4-4a8d-8c0d-dd76da1f02a5" xsi:nil="true"/>
+  </documentManagement>
+</p:properties>
 </file>
 
-<file path=customXml/itemProps2.xml><?xml version="1.0" encoding="utf-8"?>
-<ds:datastoreItem xmlns:ds="http://schemas.openxmlformats.org/officeDocument/2006/customXml" ds:itemID="{09EC1AB0-9704-404D-B6D3-819D938AC55B}">
-  <ds:schemaRefs>
-    <ds:schemaRef ds:uri="http://schemas.microsoft.com/office/2006/metadata/properties"/>
-    <ds:schemaRef ds:uri="http://schemas.microsoft.com/office/infopath/2007/PartnerControls"/>
-    <ds:schemaRef ds:uri="71af3243-3dd4-4a8d-8c0d-dd76da1f02a5"/>
-  </ds:schemaRefs>
-</ds:datastoreItem>
+<file path=customXml/item3.xml><?xml version="1.0" encoding="utf-8"?>
+<?mso-contentType ?>
+<FormTemplates xmlns="http://schemas.microsoft.com/sharepoint/v3/contenttype/forms">
+  <Display>DocumentLibraryForm</Display>
+  <Edit>DocumentLibraryForm</Edit>
+  <New>DocumentLibraryForm</New>
+</FormTemplates>
 </file>
 
-<file path=customXml/itemProps3.xml><?xml version="1.0" encoding="utf-8"?>
+<file path=customXml/itemProps1.xml><?xml version="1.0" encoding="utf-8"?>
 <ds:datastoreItem xmlns:ds="http://schemas.openxmlformats.org/officeDocument/2006/customXml" ds:itemID="{94F21D10-BD83-491A-AAA6-945C2DB1EB01}">
   <ds:schemaRefs>
     <ds:schemaRef ds:uri="http://schemas.microsoft.com/office/2006/metadata/contentType"/>
@@ -20492,4 +20456,22 @@
     <ds:schemaRef ds:uri="http://schemas.microsoft.com/internal/obd"/>
   </ds:schemaRefs>
 </ds:datastoreItem>
+</file>
+
+<file path=customXml/itemProps2.xml><?xml version="1.0" encoding="utf-8"?>
+<ds:datastoreItem xmlns:ds="http://schemas.openxmlformats.org/officeDocument/2006/customXml" ds:itemID="{09EC1AB0-9704-404D-B6D3-819D938AC55B}">
+  <ds:schemaRefs>
+    <ds:schemaRef ds:uri="http://schemas.microsoft.com/office/2006/metadata/properties"/>
+    <ds:schemaRef ds:uri="http://schemas.microsoft.com/office/infopath/2007/PartnerControls"/>
+    <ds:schemaRef ds:uri="71af3243-3dd4-4a8d-8c0d-dd76da1f02a5"/>
+  </ds:schemaRefs>
+</ds:datastoreItem>
+</file>
+
+<file path=customXml/itemProps3.xml><?xml version="1.0" encoding="utf-8"?>
+<ds:datastoreItem xmlns:ds="http://schemas.openxmlformats.org/officeDocument/2006/customXml" ds:itemID="{1D20B6E4-879E-4E6C-BDE7-261540CD3765}">
+  <ds:schemaRefs>
+    <ds:schemaRef ds:uri="http://schemas.microsoft.com/sharepoint/v3/contenttype/forms"/>
+  </ds:schemaRefs>
+</ds:datastoreItem>
 </file>
--- a/Lead Score Assignment.pptx
+++ b/Lead Score Assignment.pptx
@@ -14,13 +14,13 @@
     <p:sldId id="350" r:id="rId5"/>
     <p:sldId id="352" r:id="rId6"/>
     <p:sldId id="370" r:id="rId7"/>
-    <p:sldId id="395" r:id="rId8"/>
-    <p:sldId id="396" r:id="rId9"/>
-    <p:sldId id="390" r:id="rId10"/>
-    <p:sldId id="378" r:id="rId11"/>
-    <p:sldId id="397" r:id="rId12"/>
-    <p:sldId id="379" r:id="rId13"/>
-    <p:sldId id="391" r:id="rId14"/>
+    <p:sldId id="398" r:id="rId8"/>
+    <p:sldId id="395" r:id="rId9"/>
+    <p:sldId id="396" r:id="rId10"/>
+    <p:sldId id="390" r:id="rId11"/>
+    <p:sldId id="378" r:id="rId12"/>
+    <p:sldId id="397" r:id="rId13"/>
+    <p:sldId id="379" r:id="rId14"/>
     <p:sldId id="392" r:id="rId15"/>
     <p:sldId id="393" r:id="rId16"/>
     <p:sldId id="364" r:id="rId17"/>
@@ -16476,29 +16476,137 @@
         </p:nvSpPr>
         <p:spPr>
           <a:xfrm>
-            <a:off x="299381" y="104503"/>
-            <a:ext cx="11010264" cy="444854"/>
+            <a:off x="964023" y="879063"/>
+            <a:ext cx="4941477" cy="610863"/>
           </a:xfrm>
         </p:spPr>
         <p:txBody>
-          <a:bodyPr>
+          <a:bodyPr vert="horz" lIns="0" tIns="0" rIns="0" bIns="0" rtlCol="0" anchor="b" anchorCtr="0">
             <a:normAutofit/>
           </a:bodyPr>
           <a:lstStyle/>
           <a:p>
             <a:r>
-              <a:rPr lang="en-US" sz="2800" dirty="0"/>
-              <a:t>C. Model Training and Assessment – ROC Curve</a:t>
+              <a:rPr lang="en-US" sz="2100" b="1" i="0" kern="1200" spc="100" baseline="0">
+                <a:latin typeface="+mj-lt"/>
+                <a:ea typeface="+mj-ea"/>
+                <a:cs typeface="+mj-cs"/>
+              </a:rPr>
+              <a:t>C. Model Training and Assessment – Cutoff Point &amp; ROC Curve</a:t>
+            </a:r>
+          </a:p>
+        </p:txBody>
+      </p:sp>
+      <p:sp>
+        <p:nvSpPr>
+          <p:cNvPr id="4" name="TextBox 3">
+            <a:extLst>
+              <a:ext uri="{FF2B5EF4-FFF2-40B4-BE49-F238E27FC236}">
+                <a16:creationId xmlns:a16="http://schemas.microsoft.com/office/drawing/2014/main" id="{EF23AE7A-E40F-C43F-FA43-DC41012A1CC1}"/>
+              </a:ext>
+            </a:extLst>
+          </p:cNvPr>
+          <p:cNvSpPr txBox="1"/>
+          <p:nvPr/>
+        </p:nvSpPr>
+        <p:spPr>
+          <a:xfrm>
+            <a:off x="964023" y="2300984"/>
+            <a:ext cx="4827178" cy="404216"/>
+          </a:xfrm>
+          <a:prstGeom prst="rect">
+            <a:avLst/>
+          </a:prstGeom>
+        </p:spPr>
+        <p:txBody>
+          <a:bodyPr vert="horz" lIns="0" tIns="0" rIns="0" bIns="0" rtlCol="0" anchor="t" anchorCtr="0">
+            <a:normAutofit/>
+          </a:bodyPr>
+          <a:lstStyle/>
+          <a:p>
+            <a:pPr>
+              <a:lnSpc>
+                <a:spcPct val="90000"/>
+              </a:lnSpc>
+              <a:spcBef>
+                <a:spcPts val="1000"/>
+              </a:spcBef>
+              <a:spcAft>
+                <a:spcPts val="600"/>
+              </a:spcAft>
+            </a:pPr>
+            <a:r>
+              <a:rPr lang="en-US" sz="1400" b="0" i="0" kern="1200" spc="0" baseline="0">
+                <a:solidFill>
+                  <a:schemeClr val="tx2"/>
+                </a:solidFill>
+                <a:latin typeface="+mj-lt"/>
+                <a:ea typeface="+mn-ea"/>
+                <a:cs typeface="+mn-cs"/>
+              </a:rPr>
+              <a:t>From the curve above, 0.4 is the optimum point to take it as a cutoff probability.</a:t>
+            </a:r>
+          </a:p>
+        </p:txBody>
+      </p:sp>
+      <p:sp>
+        <p:nvSpPr>
+          <p:cNvPr id="5" name="TextBox 4">
+            <a:extLst>
+              <a:ext uri="{FF2B5EF4-FFF2-40B4-BE49-F238E27FC236}">
+                <a16:creationId xmlns:a16="http://schemas.microsoft.com/office/drawing/2014/main" id="{273EA582-1D6C-7B61-FDDA-BF9A2B356591}"/>
+              </a:ext>
+            </a:extLst>
+          </p:cNvPr>
+          <p:cNvSpPr txBox="1"/>
+          <p:nvPr/>
+        </p:nvSpPr>
+        <p:spPr>
+          <a:xfrm>
+            <a:off x="6362700" y="2300984"/>
+            <a:ext cx="4764829" cy="404216"/>
+          </a:xfrm>
+          <a:prstGeom prst="rect">
+            <a:avLst/>
+          </a:prstGeom>
+        </p:spPr>
+        <p:txBody>
+          <a:bodyPr vert="horz" lIns="0" tIns="0" rIns="0" bIns="0" rtlCol="0" anchor="t" anchorCtr="0">
+            <a:normAutofit/>
+          </a:bodyPr>
+          <a:lstStyle/>
+          <a:p>
+            <a:pPr>
+              <a:lnSpc>
+                <a:spcPct val="90000"/>
+              </a:lnSpc>
+              <a:spcBef>
+                <a:spcPts val="1000"/>
+              </a:spcBef>
+              <a:spcAft>
+                <a:spcPts val="600"/>
+              </a:spcAft>
+            </a:pPr>
+            <a:r>
+              <a:rPr lang="en-US" sz="1400" b="0" i="0" kern="1200" spc="0" baseline="0">
+                <a:solidFill>
+                  <a:schemeClr val="tx2"/>
+                </a:solidFill>
+                <a:latin typeface="+mj-lt"/>
+                <a:ea typeface="+mn-ea"/>
+                <a:cs typeface="+mn-cs"/>
+              </a:rPr>
+              <a:t>The ROC Curve should be a value close to 1. We are getting a good value of 0.97 indicating a good predictive model.</a:t>
             </a:r>
           </a:p>
         </p:txBody>
       </p:sp>
       <p:pic>
         <p:nvPicPr>
-          <p:cNvPr id="4098" name="Picture 2">
+          <p:cNvPr id="3074" name="Picture 2">
             <a:extLst>
               <a:ext uri="{FF2B5EF4-FFF2-40B4-BE49-F238E27FC236}">
-                <a16:creationId xmlns:a16="http://schemas.microsoft.com/office/drawing/2014/main" id="{C06D98A2-6432-D409-8FAC-11A33C363F60}"/>
+                <a16:creationId xmlns:a16="http://schemas.microsoft.com/office/drawing/2014/main" id="{20277FB3-677C-B87C-08EB-D8B0DFE56F89}"/>
               </a:ext>
             </a:extLst>
           </p:cNvPr>
@@ -16507,7 +16615,7 @@
           </p:cNvPicPr>
           <p:nvPr/>
         </p:nvPicPr>
-        <p:blipFill>
+        <p:blipFill rotWithShape="1">
           <a:blip r:embed="rId2">
             <a:extLst>
               <a:ext uri="{28A0092B-C50C-407E-A947-70E740481C1C}">
@@ -16515,15 +16623,13 @@
               </a:ext>
             </a:extLst>
           </a:blip>
-          <a:srcRect/>
-          <a:stretch>
-            <a:fillRect/>
-          </a:stretch>
+          <a:srcRect t="28625" r="-2" b="14895"/>
+          <a:stretch/>
         </p:blipFill>
         <p:spPr bwMode="auto">
           <a:xfrm>
-            <a:off x="1504950" y="834886"/>
-            <a:ext cx="8103507" cy="5316515"/>
+            <a:off x="964023" y="2799146"/>
+            <a:ext cx="4827178" cy="1942138"/>
           </a:xfrm>
           <a:prstGeom prst="rect">
             <a:avLst/>
@@ -16540,10 +16646,101 @@
           </a:extLst>
         </p:spPr>
       </p:pic>
+      <p:pic>
+        <p:nvPicPr>
+          <p:cNvPr id="2" name="Picture 2">
+            <a:extLst>
+              <a:ext uri="{FF2B5EF4-FFF2-40B4-BE49-F238E27FC236}">
+                <a16:creationId xmlns:a16="http://schemas.microsoft.com/office/drawing/2014/main" id="{66E82FA9-219A-47E1-DE3A-92E83BD7DB2C}"/>
+              </a:ext>
+            </a:extLst>
+          </p:cNvPr>
+          <p:cNvPicPr>
+            <a:picLocks noChangeAspect="1" noChangeArrowheads="1"/>
+          </p:cNvPicPr>
+          <p:nvPr/>
+        </p:nvPicPr>
+        <p:blipFill rotWithShape="1">
+          <a:blip r:embed="rId3">
+            <a:extLst>
+              <a:ext uri="{28A0092B-C50C-407E-A947-70E740481C1C}">
+                <a14:useLocalDpi xmlns:a14="http://schemas.microsoft.com/office/drawing/2010/main" val="0"/>
+              </a:ext>
+            </a:extLst>
+          </a:blip>
+          <a:srcRect t="7494" r="-3" b="16907"/>
+          <a:stretch/>
+        </p:blipFill>
+        <p:spPr bwMode="auto">
+          <a:xfrm>
+            <a:off x="6362700" y="2798763"/>
+            <a:ext cx="4756150" cy="2687637"/>
+          </a:xfrm>
+          <a:prstGeom prst="rect">
+            <a:avLst/>
+          </a:prstGeom>
+          <a:noFill/>
+          <a:extLst>
+            <a:ext uri="{909E8E84-426E-40DD-AFC4-6F175D3DCCD1}">
+              <a14:hiddenFill xmlns:a14="http://schemas.microsoft.com/office/drawing/2010/main">
+                <a:solidFill>
+                  <a:srgbClr val="FFFFFF"/>
+                </a:solidFill>
+              </a14:hiddenFill>
+            </a:ext>
+          </a:extLst>
+        </p:spPr>
+      </p:pic>
+      <p:sp>
+        <p:nvSpPr>
+          <p:cNvPr id="3079" name="Slide Number Placeholder 6">
+            <a:extLst>
+              <a:ext uri="{FF2B5EF4-FFF2-40B4-BE49-F238E27FC236}">
+                <a16:creationId xmlns:a16="http://schemas.microsoft.com/office/drawing/2014/main" id="{0C3C0D0E-62D1-C099-A5F9-7A2E2B4E7680}"/>
+              </a:ext>
+            </a:extLst>
+          </p:cNvPr>
+          <p:cNvSpPr>
+            <a:spLocks noGrp="1"/>
+          </p:cNvSpPr>
+          <p:nvPr>
+            <p:ph type="sldNum" sz="quarter" idx="16"/>
+          </p:nvPr>
+        </p:nvSpPr>
+        <p:spPr>
+          <a:xfrm>
+            <a:off x="971550" y="6332220"/>
+            <a:ext cx="523240" cy="247651"/>
+          </a:xfrm>
+        </p:spPr>
+        <p:txBody>
+          <a:bodyPr vert="horz" lIns="0" tIns="0" rIns="0" bIns="0" rtlCol="0" anchor="t" anchorCtr="0">
+            <a:normAutofit/>
+          </a:bodyPr>
+          <a:lstStyle/>
+          <a:p>
+            <a:pPr>
+              <a:spcAft>
+                <a:spcPts val="600"/>
+              </a:spcAft>
+            </a:pPr>
+            <a:fld id="{294A09A9-5501-47C1-A89A-A340965A2BE2}" type="slidenum">
+              <a:rPr lang="en-US" smtClean="0"/>
+              <a:pPr>
+                <a:spcAft>
+                  <a:spcPts val="600"/>
+                </a:spcAft>
+              </a:pPr>
+              <a:t>10</a:t>
+            </a:fld>
+            <a:endParaRPr lang="en-US"/>
+          </a:p>
+        </p:txBody>
+      </p:sp>
     </p:spTree>
     <p:extLst>
       <p:ext uri="{BB962C8B-B14F-4D97-AF65-F5344CB8AC3E}">
-        <p14:creationId xmlns:p14="http://schemas.microsoft.com/office/powerpoint/2010/main" val="287165135"/>
+        <p14:creationId xmlns:p14="http://schemas.microsoft.com/office/powerpoint/2010/main" val="180418230"/>
       </p:ext>
     </p:extLst>
   </p:cSld>
@@ -16570,41 +16767,6 @@
           <a:chExt cx="0" cy="0"/>
         </a:xfrm>
       </p:grpSpPr>
-      <p:sp>
-        <p:nvSpPr>
-          <p:cNvPr id="3" name="Title 2">
-            <a:extLst>
-              <a:ext uri="{FF2B5EF4-FFF2-40B4-BE49-F238E27FC236}">
-                <a16:creationId xmlns:a16="http://schemas.microsoft.com/office/drawing/2014/main" id="{6339315B-8AAE-A946-ABBF-894F2E4B1338}"/>
-              </a:ext>
-            </a:extLst>
-          </p:cNvPr>
-          <p:cNvSpPr>
-            <a:spLocks noGrp="1"/>
-          </p:cNvSpPr>
-          <p:nvPr>
-            <p:ph type="title"/>
-          </p:nvPr>
-        </p:nvSpPr>
-        <p:spPr>
-          <a:xfrm>
-            <a:off x="299381" y="104503"/>
-            <a:ext cx="11010264" cy="444854"/>
-          </a:xfrm>
-        </p:spPr>
-        <p:txBody>
-          <a:bodyPr>
-            <a:normAutofit/>
-          </a:bodyPr>
-          <a:lstStyle/>
-          <a:p>
-            <a:r>
-              <a:rPr lang="en-US" sz="2800" dirty="0"/>
-              <a:t>C. Model Training and Assessment – Error Residuals</a:t>
-            </a:r>
-          </a:p>
-        </p:txBody>
-      </p:sp>
       <p:pic>
         <p:nvPicPr>
           <p:cNvPr id="5122" name="Picture 2">
@@ -16627,20 +16789,21 @@
               </a:ext>
             </a:extLst>
           </a:blip>
-          <a:srcRect/>
           <a:stretch>
             <a:fillRect/>
           </a:stretch>
         </p:blipFill>
         <p:spPr bwMode="auto">
           <a:xfrm>
-            <a:off x="523875" y="509588"/>
-            <a:ext cx="11144250" cy="5838825"/>
+            <a:off x="5905500" y="1828800"/>
+            <a:ext cx="6096000" cy="3200400"/>
           </a:xfrm>
           <a:prstGeom prst="rect">
             <a:avLst/>
           </a:prstGeom>
-          <a:noFill/>
+          <a:solidFill>
+            <a:srgbClr val="FFFFFF"/>
+          </a:solidFill>
           <a:extLst>
             <a:ext uri="{909E8E84-426E-40DD-AFC4-6F175D3DCCD1}">
               <a14:hiddenFill xmlns:a14="http://schemas.microsoft.com/office/drawing/2010/main">
@@ -16652,6 +16815,120 @@
           </a:extLst>
         </p:spPr>
       </p:pic>
+      <p:sp>
+        <p:nvSpPr>
+          <p:cNvPr id="3" name="Title 2">
+            <a:extLst>
+              <a:ext uri="{FF2B5EF4-FFF2-40B4-BE49-F238E27FC236}">
+                <a16:creationId xmlns:a16="http://schemas.microsoft.com/office/drawing/2014/main" id="{6339315B-8AAE-A946-ABBF-894F2E4B1338}"/>
+              </a:ext>
+            </a:extLst>
+          </p:cNvPr>
+          <p:cNvSpPr>
+            <a:spLocks noGrp="1"/>
+          </p:cNvSpPr>
+          <p:nvPr>
+            <p:ph type="title"/>
+          </p:nvPr>
+        </p:nvSpPr>
+        <p:spPr>
+          <a:xfrm>
+            <a:off x="964023" y="879063"/>
+            <a:ext cx="4941477" cy="610863"/>
+          </a:xfrm>
+        </p:spPr>
+        <p:txBody>
+          <a:bodyPr anchor="b">
+            <a:normAutofit/>
+          </a:bodyPr>
+          <a:lstStyle/>
+          <a:p>
+            <a:r>
+              <a:rPr lang="en-US" sz="2100"/>
+              <a:t>C. Model Training and Assessment – Error Residuals</a:t>
+            </a:r>
+          </a:p>
+        </p:txBody>
+      </p:sp>
+      <p:sp>
+        <p:nvSpPr>
+          <p:cNvPr id="5131" name="Text Placeholder 3">
+            <a:extLst>
+              <a:ext uri="{FF2B5EF4-FFF2-40B4-BE49-F238E27FC236}">
+                <a16:creationId xmlns:a16="http://schemas.microsoft.com/office/drawing/2014/main" id="{893B2C58-40CD-D446-AE53-DBC89A3E5324}"/>
+              </a:ext>
+            </a:extLst>
+          </p:cNvPr>
+          <p:cNvSpPr>
+            <a:spLocks noGrp="1"/>
+          </p:cNvSpPr>
+          <p:nvPr>
+            <p:ph type="body" sz="quarter" idx="11"/>
+          </p:nvPr>
+        </p:nvSpPr>
+        <p:spPr>
+          <a:xfrm>
+            <a:off x="952499" y="2289363"/>
+            <a:ext cx="4572001" cy="2795232"/>
+          </a:xfrm>
+        </p:spPr>
+        <p:txBody>
+          <a:bodyPr/>
+          <a:lstStyle/>
+          <a:p>
+            <a:r>
+              <a:rPr lang="en-US" dirty="0"/>
+              <a:t>Error Residual Following Normal Distribution - It indicates that this assumption is met and therefore the model inferences such as confidence intervals and predictions are valid.</a:t>
+            </a:r>
+          </a:p>
+        </p:txBody>
+      </p:sp>
+      <p:sp>
+        <p:nvSpPr>
+          <p:cNvPr id="5132" name="Slide Number Placeholder 4">
+            <a:extLst>
+              <a:ext uri="{FF2B5EF4-FFF2-40B4-BE49-F238E27FC236}">
+                <a16:creationId xmlns:a16="http://schemas.microsoft.com/office/drawing/2014/main" id="{E1AEBC6D-63BB-86EA-732C-CD32FA9CA0DA}"/>
+              </a:ext>
+            </a:extLst>
+          </p:cNvPr>
+          <p:cNvSpPr>
+            <a:spLocks noGrp="1"/>
+          </p:cNvSpPr>
+          <p:nvPr>
+            <p:ph type="sldNum" sz="quarter" idx="16"/>
+          </p:nvPr>
+        </p:nvSpPr>
+        <p:spPr>
+          <a:xfrm>
+            <a:off x="971550" y="6332220"/>
+            <a:ext cx="523240" cy="247651"/>
+          </a:xfrm>
+        </p:spPr>
+        <p:txBody>
+          <a:bodyPr/>
+          <a:lstStyle/>
+          <a:p>
+            <a:pPr>
+              <a:spcAft>
+                <a:spcPts val="600"/>
+              </a:spcAft>
+            </a:pPr>
+            <a:fld id="{294A09A9-5501-47C1-A89A-A340965A2BE2}" type="slidenum">
+              <a:rPr lang="en-US" smtClean="0"/>
+              <a:pPr>
+                <a:spcAft>
+                  <a:spcPts val="600"/>
+                </a:spcAft>
+              </a:pPr>
+              <a:t>11</a:t>
+            </a:fld>
+            <a:endParaRPr lang="en-US">
+              <a:latin typeface="+mn-lt"/>
+            </a:endParaRPr>
+          </a:p>
+        </p:txBody>
+      </p:sp>
     </p:spTree>
     <p:extLst>
       <p:ext uri="{BB962C8B-B14F-4D97-AF65-F5344CB8AC3E}">
@@ -16682,41 +16959,6 @@
           <a:chExt cx="0" cy="0"/>
         </a:xfrm>
       </p:grpSpPr>
-      <p:sp>
-        <p:nvSpPr>
-          <p:cNvPr id="3" name="Title 2">
-            <a:extLst>
-              <a:ext uri="{FF2B5EF4-FFF2-40B4-BE49-F238E27FC236}">
-                <a16:creationId xmlns:a16="http://schemas.microsoft.com/office/drawing/2014/main" id="{6339315B-8AAE-A946-ABBF-894F2E4B1338}"/>
-              </a:ext>
-            </a:extLst>
-          </p:cNvPr>
-          <p:cNvSpPr>
-            <a:spLocks noGrp="1"/>
-          </p:cNvSpPr>
-          <p:nvPr>
-            <p:ph type="title"/>
-          </p:nvPr>
-        </p:nvSpPr>
-        <p:spPr>
-          <a:xfrm>
-            <a:off x="299381" y="104503"/>
-            <a:ext cx="11010264" cy="444854"/>
-          </a:xfrm>
-        </p:spPr>
-        <p:txBody>
-          <a:bodyPr>
-            <a:normAutofit/>
-          </a:bodyPr>
-          <a:lstStyle/>
-          <a:p>
-            <a:r>
-              <a:rPr lang="en-US" sz="2800" dirty="0"/>
-              <a:t>C. Model Training and Assessment – 5-fold cross-validation</a:t>
-            </a:r>
-          </a:p>
-        </p:txBody>
-      </p:sp>
       <p:pic>
         <p:nvPicPr>
           <p:cNvPr id="2" name="Picture 1">
@@ -16739,8 +16981,8 @@
         </p:blipFill>
         <p:spPr>
           <a:xfrm>
-            <a:off x="299381" y="572548"/>
-            <a:ext cx="5303354" cy="2959330"/>
+            <a:off x="2424113" y="1938338"/>
+            <a:ext cx="3763963" cy="2052638"/>
           </a:xfrm>
           <a:prstGeom prst="rect">
             <a:avLst/>
@@ -16776,13 +17018,12 @@
         </p:blipFill>
         <p:spPr bwMode="auto">
           <a:xfrm>
-            <a:off x="299381" y="3429000"/>
-            <a:ext cx="5465315" cy="3181570"/>
+            <a:off x="6237288" y="1938338"/>
+            <a:ext cx="3594100" cy="2052638"/>
           </a:xfrm>
           <a:prstGeom prst="rect">
             <a:avLst/>
           </a:prstGeom>
-          <a:noFill/>
           <a:extLst>
             <a:ext uri="{909E8E84-426E-40DD-AFC4-6F175D3DCCD1}">
               <a14:hiddenFill xmlns:a14="http://schemas.microsoft.com/office/drawing/2010/main">
@@ -16816,8 +17057,8 @@
         </p:blipFill>
         <p:spPr>
           <a:xfrm>
-            <a:off x="5907985" y="549357"/>
-            <a:ext cx="5303354" cy="2959330"/>
+            <a:off x="2424113" y="4041775"/>
+            <a:ext cx="3678238" cy="2006600"/>
           </a:xfrm>
           <a:prstGeom prst="rect">
             <a:avLst/>
@@ -16853,13 +17094,12 @@
         </p:blipFill>
         <p:spPr bwMode="auto">
           <a:xfrm>
-            <a:off x="5907986" y="3493856"/>
-            <a:ext cx="5585398" cy="3116714"/>
+            <a:off x="6153150" y="4041775"/>
+            <a:ext cx="3678238" cy="2006600"/>
           </a:xfrm>
           <a:prstGeom prst="rect">
             <a:avLst/>
           </a:prstGeom>
-          <a:noFill/>
           <a:extLst>
             <a:ext uri="{909E8E84-426E-40DD-AFC4-6F175D3DCCD1}">
               <a14:hiddenFill xmlns:a14="http://schemas.microsoft.com/office/drawing/2010/main">
@@ -16871,6 +17111,41 @@
           </a:extLst>
         </p:spPr>
       </p:pic>
+      <p:sp>
+        <p:nvSpPr>
+          <p:cNvPr id="3" name="Title 2">
+            <a:extLst>
+              <a:ext uri="{FF2B5EF4-FFF2-40B4-BE49-F238E27FC236}">
+                <a16:creationId xmlns:a16="http://schemas.microsoft.com/office/drawing/2014/main" id="{6339315B-8AAE-A946-ABBF-894F2E4B1338}"/>
+              </a:ext>
+            </a:extLst>
+          </p:cNvPr>
+          <p:cNvSpPr>
+            <a:spLocks noGrp="1"/>
+          </p:cNvSpPr>
+          <p:nvPr>
+            <p:ph type="title"/>
+          </p:nvPr>
+        </p:nvSpPr>
+        <p:spPr>
+          <a:xfrm>
+            <a:off x="964023" y="879063"/>
+            <a:ext cx="4941477" cy="610863"/>
+          </a:xfrm>
+        </p:spPr>
+        <p:txBody>
+          <a:bodyPr anchor="b">
+            <a:normAutofit/>
+          </a:bodyPr>
+          <a:lstStyle/>
+          <a:p>
+            <a:r>
+              <a:rPr lang="en-US" sz="2100"/>
+              <a:t>C. Model Training and Assessment – 5-fold cross-validation</a:t>
+            </a:r>
+          </a:p>
+        </p:txBody>
+      </p:sp>
     </p:spTree>
     <p:extLst>
       <p:ext uri="{BB962C8B-B14F-4D97-AF65-F5344CB8AC3E}">
@@ -17253,7 +17528,7 @@
           <a:p>
             <a:r>
               <a:rPr lang="en-US" dirty="0"/>
-              <a:t>01. Problem Statement</a:t>
+              <a:t>01. Problem Statement &amp; Goal</a:t>
             </a:r>
           </a:p>
         </p:txBody>
@@ -17711,7 +17986,7 @@
         <p:spPr>
           <a:xfrm>
             <a:off x="952499" y="2289363"/>
-            <a:ext cx="4572001" cy="2795232"/>
+            <a:ext cx="6049192" cy="2795232"/>
           </a:xfrm>
           <a:prstGeom prst="rect">
             <a:avLst/>
@@ -17732,7 +18007,7 @@
               </a:spcBef>
             </a:pPr>
             <a:r>
-              <a:rPr lang="en-US" sz="1200" b="0" i="0" kern="1200">
+              <a:rPr lang="en-US" sz="1200" b="0" i="0" kern="1200" dirty="0">
                 <a:solidFill>
                   <a:schemeClr val="bg1"/>
                 </a:solidFill>
@@ -17754,7 +18029,7 @@
               </a:spcBef>
             </a:pPr>
             <a:r>
-              <a:rPr lang="en-US" sz="1200" b="0" i="0" kern="1200">
+              <a:rPr lang="en-US" sz="1200" b="0" i="0" kern="1200" dirty="0">
                 <a:solidFill>
                   <a:schemeClr val="bg1"/>
                 </a:solidFill>
@@ -17776,7 +18051,7 @@
               </a:spcBef>
             </a:pPr>
             <a:r>
-              <a:rPr lang="en-US" sz="1200" b="0" i="0" kern="1200">
+              <a:rPr lang="en-US" sz="1200" b="0" i="0" kern="1200" dirty="0">
                 <a:solidFill>
                   <a:schemeClr val="bg1"/>
                 </a:solidFill>
@@ -17798,7 +18073,7 @@
               </a:spcBef>
             </a:pPr>
             <a:r>
-              <a:rPr lang="en-US" sz="1200" b="0" i="0" kern="1200">
+              <a:rPr lang="en-US" sz="1200" b="0" i="0" kern="1200" dirty="0">
                 <a:solidFill>
                   <a:schemeClr val="bg1"/>
                 </a:solidFill>
@@ -17820,7 +18095,7 @@
               </a:spcBef>
             </a:pPr>
             <a:r>
-              <a:rPr lang="en-US" sz="1200" b="0" i="0" kern="1200">
+              <a:rPr lang="en-US" sz="1200" b="0" i="0" kern="1200" dirty="0">
                 <a:solidFill>
                   <a:schemeClr val="bg1"/>
                 </a:solidFill>
@@ -17841,7 +18116,7 @@
                 <a:spcPts val="1000"/>
               </a:spcBef>
             </a:pPr>
-            <a:endParaRPr lang="en-US" sz="1200" b="0" i="0" kern="1200">
+            <a:endParaRPr lang="en-US" sz="1200" b="0" i="0" kern="1200" dirty="0">
               <a:solidFill>
                 <a:schemeClr val="bg1"/>
               </a:solidFill>
@@ -17946,6 +18221,301 @@
         </p:nvSpPr>
         <p:spPr>
           <a:xfrm>
+            <a:off x="964023" y="879063"/>
+            <a:ext cx="4941477" cy="610863"/>
+          </a:xfrm>
+        </p:spPr>
+        <p:txBody>
+          <a:bodyPr vert="horz" lIns="0" tIns="0" rIns="0" bIns="0" rtlCol="0" anchor="b" anchorCtr="0">
+            <a:normAutofit/>
+          </a:bodyPr>
+          <a:lstStyle/>
+          <a:p>
+            <a:r>
+              <a:rPr lang="en-US" b="1" i="0" kern="1200" spc="100" baseline="0">
+                <a:latin typeface="+mj-lt"/>
+                <a:ea typeface="+mj-ea"/>
+                <a:cs typeface="+mj-cs"/>
+              </a:rPr>
+              <a:t>A. GOAL</a:t>
+            </a:r>
+          </a:p>
+        </p:txBody>
+      </p:sp>
+      <p:sp>
+        <p:nvSpPr>
+          <p:cNvPr id="4" name="TextBox 3">
+            <a:extLst>
+              <a:ext uri="{FF2B5EF4-FFF2-40B4-BE49-F238E27FC236}">
+                <a16:creationId xmlns:a16="http://schemas.microsoft.com/office/drawing/2014/main" id="{49D6A048-CC1F-826A-8186-399E68D57A74}"/>
+              </a:ext>
+            </a:extLst>
+          </p:cNvPr>
+          <p:cNvSpPr txBox="1"/>
+          <p:nvPr/>
+        </p:nvSpPr>
+        <p:spPr>
+          <a:xfrm>
+            <a:off x="952499" y="2289363"/>
+            <a:ext cx="4572001" cy="2795232"/>
+          </a:xfrm>
+          <a:prstGeom prst="rect">
+            <a:avLst/>
+          </a:prstGeom>
+        </p:spPr>
+        <p:txBody>
+          <a:bodyPr vert="horz" lIns="0" tIns="0" rIns="0" bIns="0" rtlCol="0">
+            <a:normAutofit/>
+          </a:bodyPr>
+          <a:lstStyle/>
+          <a:p>
+            <a:pPr>
+              <a:lnSpc>
+                <a:spcPct val="90000"/>
+              </a:lnSpc>
+              <a:spcBef>
+                <a:spcPts val="1000"/>
+              </a:spcBef>
+            </a:pPr>
+            <a:r>
+              <a:rPr lang="en-US" sz="1400" b="0" i="0" kern="1200">
+                <a:solidFill>
+                  <a:schemeClr val="bg1"/>
+                </a:solidFill>
+                <a:latin typeface="+mn-lt"/>
+                <a:ea typeface="+mn-ea"/>
+                <a:cs typeface="+mn-cs"/>
+              </a:rPr>
+              <a:t>Develop a logistic regression model to assign lead scores between 0 and 100</a:t>
+            </a:r>
+          </a:p>
+          <a:p>
+            <a:pPr>
+              <a:lnSpc>
+                <a:spcPct val="90000"/>
+              </a:lnSpc>
+              <a:spcBef>
+                <a:spcPts val="1000"/>
+              </a:spcBef>
+            </a:pPr>
+            <a:r>
+              <a:rPr lang="en-US" sz="1400" b="0" i="0" kern="1200">
+                <a:solidFill>
+                  <a:schemeClr val="bg1"/>
+                </a:solidFill>
+                <a:latin typeface="+mn-lt"/>
+                <a:ea typeface="+mn-ea"/>
+                <a:cs typeface="+mn-cs"/>
+              </a:rPr>
+              <a:t>Use lead scores to target potential leads, with higher scores indicating hotter leads more likely to convert and lower scores indicating colder leads less likely to convert</a:t>
+            </a:r>
+          </a:p>
+          <a:p>
+            <a:pPr>
+              <a:lnSpc>
+                <a:spcPct val="90000"/>
+              </a:lnSpc>
+              <a:spcBef>
+                <a:spcPts val="1000"/>
+              </a:spcBef>
+            </a:pPr>
+            <a:r>
+              <a:rPr lang="en-US" sz="1400" b="0" i="0" kern="1200">
+                <a:solidFill>
+                  <a:schemeClr val="bg1"/>
+                </a:solidFill>
+                <a:latin typeface="+mn-lt"/>
+                <a:ea typeface="+mn-ea"/>
+                <a:cs typeface="+mn-cs"/>
+              </a:rPr>
+              <a:t>Account for additional problems presented by the company that the model should be able to adjust to in the future</a:t>
+            </a:r>
+          </a:p>
+          <a:p>
+            <a:pPr>
+              <a:lnSpc>
+                <a:spcPct val="90000"/>
+              </a:lnSpc>
+              <a:spcBef>
+                <a:spcPts val="1000"/>
+              </a:spcBef>
+            </a:pPr>
+            <a:r>
+              <a:rPr lang="en-US" sz="1400" b="0" i="0" kern="1200">
+                <a:solidFill>
+                  <a:schemeClr val="bg1"/>
+                </a:solidFill>
+                <a:latin typeface="+mn-lt"/>
+                <a:ea typeface="+mn-ea"/>
+                <a:cs typeface="+mn-cs"/>
+              </a:rPr>
+              <a:t>Fill out the separate document based on the logistic regression model from step one</a:t>
+            </a:r>
+          </a:p>
+          <a:p>
+            <a:pPr>
+              <a:lnSpc>
+                <a:spcPct val="90000"/>
+              </a:lnSpc>
+              <a:spcBef>
+                <a:spcPts val="1000"/>
+              </a:spcBef>
+            </a:pPr>
+            <a:r>
+              <a:rPr lang="en-US" sz="1400" b="0" i="0" kern="1200">
+                <a:solidFill>
+                  <a:schemeClr val="bg1"/>
+                </a:solidFill>
+                <a:latin typeface="+mn-lt"/>
+                <a:ea typeface="+mn-ea"/>
+                <a:cs typeface="+mn-cs"/>
+              </a:rPr>
+              <a:t>Include all findings and recommendations in the final PowerPoint presentation</a:t>
+            </a:r>
+          </a:p>
+        </p:txBody>
+      </p:sp>
+      <p:sp>
+        <p:nvSpPr>
+          <p:cNvPr id="11" name="Slide Number Placeholder 4">
+            <a:extLst>
+              <a:ext uri="{FF2B5EF4-FFF2-40B4-BE49-F238E27FC236}">
+                <a16:creationId xmlns:a16="http://schemas.microsoft.com/office/drawing/2014/main" id="{5BD10A8C-DD20-86FB-0E7A-CAF020EDA7C7}"/>
+              </a:ext>
+            </a:extLst>
+          </p:cNvPr>
+          <p:cNvSpPr>
+            <a:spLocks noGrp="1"/>
+          </p:cNvSpPr>
+          <p:nvPr>
+            <p:ph type="sldNum" sz="quarter" idx="16"/>
+          </p:nvPr>
+        </p:nvSpPr>
+        <p:spPr>
+          <a:xfrm>
+            <a:off x="971550" y="6332220"/>
+            <a:ext cx="523240" cy="247651"/>
+          </a:xfrm>
+        </p:spPr>
+        <p:txBody>
+          <a:bodyPr vert="horz" lIns="0" tIns="0" rIns="0" bIns="0" rtlCol="0" anchor="t" anchorCtr="0">
+            <a:normAutofit/>
+          </a:bodyPr>
+          <a:lstStyle/>
+          <a:p>
+            <a:pPr>
+              <a:spcAft>
+                <a:spcPts val="600"/>
+              </a:spcAft>
+            </a:pPr>
+            <a:fld id="{294A09A9-5501-47C1-A89A-A340965A2BE2}" type="slidenum">
+              <a:rPr lang="en-US" smtClean="0"/>
+              <a:pPr>
+                <a:spcAft>
+                  <a:spcPts val="600"/>
+                </a:spcAft>
+              </a:pPr>
+              <a:t>4</a:t>
+            </a:fld>
+            <a:endParaRPr lang="en-US"/>
+          </a:p>
+        </p:txBody>
+      </p:sp>
+      <p:pic>
+        <p:nvPicPr>
+          <p:cNvPr id="1028" name="Picture 4" descr="Goal - Free miscellaneous icons">
+            <a:extLst>
+              <a:ext uri="{FF2B5EF4-FFF2-40B4-BE49-F238E27FC236}">
+                <a16:creationId xmlns:a16="http://schemas.microsoft.com/office/drawing/2014/main" id="{4B2FB164-2642-24AB-14CD-F01D1B715C52}"/>
+              </a:ext>
+            </a:extLst>
+          </p:cNvPr>
+          <p:cNvPicPr>
+            <a:picLocks noChangeAspect="1" noChangeArrowheads="1"/>
+          </p:cNvPicPr>
+          <p:nvPr/>
+        </p:nvPicPr>
+        <p:blipFill>
+          <a:blip r:embed="rId2">
+            <a:extLst>
+              <a:ext uri="{28A0092B-C50C-407E-A947-70E740481C1C}">
+                <a14:useLocalDpi xmlns:a14="http://schemas.microsoft.com/office/drawing/2010/main" val="0"/>
+              </a:ext>
+            </a:extLst>
+          </a:blip>
+          <a:srcRect/>
+          <a:stretch>
+            <a:fillRect/>
+          </a:stretch>
+        </p:blipFill>
+        <p:spPr bwMode="auto">
+          <a:xfrm>
+            <a:off x="6667502" y="990600"/>
+            <a:ext cx="4876800" cy="4876800"/>
+          </a:xfrm>
+          <a:prstGeom prst="rect">
+            <a:avLst/>
+          </a:prstGeom>
+          <a:noFill/>
+          <a:extLst>
+            <a:ext uri="{909E8E84-426E-40DD-AFC4-6F175D3DCCD1}">
+              <a14:hiddenFill xmlns:a14="http://schemas.microsoft.com/office/drawing/2010/main">
+                <a:solidFill>
+                  <a:srgbClr val="FFFFFF"/>
+                </a:solidFill>
+              </a14:hiddenFill>
+            </a:ext>
+          </a:extLst>
+        </p:spPr>
+      </p:pic>
+    </p:spTree>
+    <p:extLst>
+      <p:ext uri="{BB962C8B-B14F-4D97-AF65-F5344CB8AC3E}">
+        <p14:creationId xmlns:p14="http://schemas.microsoft.com/office/powerpoint/2010/main" val="3621100705"/>
+      </p:ext>
+    </p:extLst>
+  </p:cSld>
+  <p:clrMapOvr>
+    <a:masterClrMapping/>
+  </p:clrMapOvr>
+</p:sld>
+</file>
+
+<file path=ppt/slides/slide5.xml><?xml version="1.0" encoding="utf-8"?>
+<p:sld xmlns:a="http://schemas.openxmlformats.org/drawingml/2006/main" xmlns:r="http://schemas.openxmlformats.org/officeDocument/2006/relationships" xmlns:p="http://schemas.openxmlformats.org/presentationml/2006/main">
+  <p:cSld>
+    <p:spTree>
+      <p:nvGrpSpPr>
+        <p:cNvPr id="1" name=""/>
+        <p:cNvGrpSpPr/>
+        <p:nvPr/>
+      </p:nvGrpSpPr>
+      <p:grpSpPr>
+        <a:xfrm>
+          <a:off x="0" y="0"/>
+          <a:ext cx="0" cy="0"/>
+          <a:chOff x="0" y="0"/>
+          <a:chExt cx="0" cy="0"/>
+        </a:xfrm>
+      </p:grpSpPr>
+      <p:sp>
+        <p:nvSpPr>
+          <p:cNvPr id="3" name="Title 2">
+            <a:extLst>
+              <a:ext uri="{FF2B5EF4-FFF2-40B4-BE49-F238E27FC236}">
+                <a16:creationId xmlns:a16="http://schemas.microsoft.com/office/drawing/2014/main" id="{6339315B-8AAE-A946-ABBF-894F2E4B1338}"/>
+              </a:ext>
+            </a:extLst>
+          </p:cNvPr>
+          <p:cNvSpPr>
+            <a:spLocks noGrp="1"/>
+          </p:cNvSpPr>
+          <p:nvPr>
+            <p:ph type="title"/>
+          </p:nvPr>
+        </p:nvSpPr>
+        <p:spPr>
+          <a:xfrm>
             <a:off x="299381" y="104503"/>
             <a:ext cx="11010264" cy="444854"/>
           </a:xfrm>
@@ -18004,7 +18574,7 @@
 </p:sld>
 </file>
 
-<file path=ppt/slides/slide5.xml><?xml version="1.0" encoding="utf-8"?>
+<file path=ppt/slides/slide6.xml><?xml version="1.0" encoding="utf-8"?>
 <p:sld xmlns:a="http://schemas.openxmlformats.org/drawingml/2006/main" xmlns:r="http://schemas.openxmlformats.org/officeDocument/2006/relationships" xmlns:p="http://schemas.openxmlformats.org/presentationml/2006/main">
   <p:cSld>
     <p:spTree>
@@ -18366,7 +18936,7 @@
 </p:sld>
 </file>
 
-<file path=ppt/slides/slide6.xml><?xml version="1.0" encoding="utf-8"?>
+<file path=ppt/slides/slide7.xml><?xml version="1.0" encoding="utf-8"?>
 <p:sld xmlns:a="http://schemas.openxmlformats.org/drawingml/2006/main" xmlns:r="http://schemas.openxmlformats.org/officeDocument/2006/relationships" xmlns:p="http://schemas.openxmlformats.org/presentationml/2006/main">
   <p:cSld>
     <p:spTree>
@@ -18733,7 +19303,7 @@
 </p:sld>
 </file>
 
-<file path=ppt/slides/slide7.xml><?xml version="1.0" encoding="utf-8"?>
+<file path=ppt/slides/slide8.xml><?xml version="1.0" encoding="utf-8"?>
 <p:sld xmlns:a="http://schemas.openxmlformats.org/drawingml/2006/main" xmlns:r="http://schemas.openxmlformats.org/officeDocument/2006/relationships" xmlns:p="http://schemas.openxmlformats.org/presentationml/2006/main">
   <p:cSld>
     <p:spTree>
@@ -18884,7 +19454,7 @@
             <a:fld id="{294A09A9-5501-47C1-A89A-A340965A2BE2}" type="slidenum">
               <a:rPr lang="en-US" smtClean="0"/>
               <a:pPr/>
-              <a:t>7</a:t>
+              <a:t>8</a:t>
             </a:fld>
             <a:endParaRPr lang="en-US" dirty="0">
               <a:latin typeface="+mn-lt"/>
@@ -19128,7 +19698,7 @@
 </p:sld>
 </file>
 
-<file path=ppt/slides/slide8.xml><?xml version="1.0" encoding="utf-8"?>
+<file path=ppt/slides/slide9.xml><?xml version="1.0" encoding="utf-8"?>
 <p:sld xmlns:a="http://schemas.openxmlformats.org/drawingml/2006/main" xmlns:r="http://schemas.openxmlformats.org/officeDocument/2006/relationships" xmlns:p="http://schemas.openxmlformats.org/presentationml/2006/main">
   <p:cSld>
     <p:spTree>
@@ -19244,162 +19814,6 @@
     <p:extLst>
       <p:ext uri="{BB962C8B-B14F-4D97-AF65-F5344CB8AC3E}">
         <p14:creationId xmlns:p14="http://schemas.microsoft.com/office/powerpoint/2010/main" val="1948869355"/>
-      </p:ext>
-    </p:extLst>
-  </p:cSld>
-  <p:clrMapOvr>
-    <a:masterClrMapping/>
-  </p:clrMapOvr>
-</p:sld>
-</file>
-
-<file path=ppt/slides/slide9.xml><?xml version="1.0" encoding="utf-8"?>
-<p:sld xmlns:a="http://schemas.openxmlformats.org/drawingml/2006/main" xmlns:r="http://schemas.openxmlformats.org/officeDocument/2006/relationships" xmlns:p="http://schemas.openxmlformats.org/presentationml/2006/main">
-  <p:cSld>
-    <p:spTree>
-      <p:nvGrpSpPr>
-        <p:cNvPr id="1" name=""/>
-        <p:cNvGrpSpPr/>
-        <p:nvPr/>
-      </p:nvGrpSpPr>
-      <p:grpSpPr>
-        <a:xfrm>
-          <a:off x="0" y="0"/>
-          <a:ext cx="0" cy="0"/>
-          <a:chOff x="0" y="0"/>
-          <a:chExt cx="0" cy="0"/>
-        </a:xfrm>
-      </p:grpSpPr>
-      <p:sp>
-        <p:nvSpPr>
-          <p:cNvPr id="3" name="Title 2">
-            <a:extLst>
-              <a:ext uri="{FF2B5EF4-FFF2-40B4-BE49-F238E27FC236}">
-                <a16:creationId xmlns:a16="http://schemas.microsoft.com/office/drawing/2014/main" id="{6339315B-8AAE-A946-ABBF-894F2E4B1338}"/>
-              </a:ext>
-            </a:extLst>
-          </p:cNvPr>
-          <p:cNvSpPr>
-            <a:spLocks noGrp="1"/>
-          </p:cNvSpPr>
-          <p:nvPr>
-            <p:ph type="title"/>
-          </p:nvPr>
-        </p:nvSpPr>
-        <p:spPr>
-          <a:xfrm>
-            <a:off x="299381" y="104503"/>
-            <a:ext cx="11010264" cy="444854"/>
-          </a:xfrm>
-        </p:spPr>
-        <p:txBody>
-          <a:bodyPr>
-            <a:normAutofit/>
-          </a:bodyPr>
-          <a:lstStyle/>
-          <a:p>
-            <a:r>
-              <a:rPr lang="en-US" sz="2800" dirty="0"/>
-              <a:t>C. Model Training and Assessment – Cutoff Point</a:t>
-            </a:r>
-          </a:p>
-        </p:txBody>
-      </p:sp>
-      <p:pic>
-        <p:nvPicPr>
-          <p:cNvPr id="3074" name="Picture 2">
-            <a:extLst>
-              <a:ext uri="{FF2B5EF4-FFF2-40B4-BE49-F238E27FC236}">
-                <a16:creationId xmlns:a16="http://schemas.microsoft.com/office/drawing/2014/main" id="{20277FB3-677C-B87C-08EB-D8B0DFE56F89}"/>
-              </a:ext>
-            </a:extLst>
-          </p:cNvPr>
-          <p:cNvPicPr>
-            <a:picLocks noChangeAspect="1" noChangeArrowheads="1"/>
-          </p:cNvPicPr>
-          <p:nvPr/>
-        </p:nvPicPr>
-        <p:blipFill>
-          <a:blip r:embed="rId2">
-            <a:extLst>
-              <a:ext uri="{28A0092B-C50C-407E-A947-70E740481C1C}">
-                <a14:useLocalDpi xmlns:a14="http://schemas.microsoft.com/office/drawing/2010/main" val="0"/>
-              </a:ext>
-            </a:extLst>
-          </a:blip>
-          <a:srcRect/>
-          <a:stretch>
-            <a:fillRect/>
-          </a:stretch>
-        </p:blipFill>
-        <p:spPr bwMode="auto">
-          <a:xfrm>
-            <a:off x="2239617" y="695946"/>
-            <a:ext cx="7178538" cy="4816957"/>
-          </a:xfrm>
-          <a:prstGeom prst="rect">
-            <a:avLst/>
-          </a:prstGeom>
-          <a:noFill/>
-          <a:extLst>
-            <a:ext uri="{909E8E84-426E-40DD-AFC4-6F175D3DCCD1}">
-              <a14:hiddenFill xmlns:a14="http://schemas.microsoft.com/office/drawing/2010/main">
-                <a:solidFill>
-                  <a:srgbClr val="FFFFFF"/>
-                </a:solidFill>
-              </a14:hiddenFill>
-            </a:ext>
-          </a:extLst>
-        </p:spPr>
-      </p:pic>
-      <p:sp>
-        <p:nvSpPr>
-          <p:cNvPr id="4" name="TextBox 3">
-            <a:extLst>
-              <a:ext uri="{FF2B5EF4-FFF2-40B4-BE49-F238E27FC236}">
-                <a16:creationId xmlns:a16="http://schemas.microsoft.com/office/drawing/2014/main" id="{EF23AE7A-E40F-C43F-FA43-DC41012A1CC1}"/>
-              </a:ext>
-            </a:extLst>
-          </p:cNvPr>
-          <p:cNvSpPr txBox="1"/>
-          <p:nvPr/>
-        </p:nvSpPr>
-        <p:spPr>
-          <a:xfrm>
-            <a:off x="2434260" y="5823499"/>
-            <a:ext cx="6983895" cy="338554"/>
-          </a:xfrm>
-          <a:prstGeom prst="rect">
-            <a:avLst/>
-          </a:prstGeom>
-          <a:noFill/>
-        </p:spPr>
-        <p:txBody>
-          <a:bodyPr wrap="square" rtlCol="0">
-            <a:spAutoFit/>
-          </a:bodyPr>
-          <a:lstStyle/>
-          <a:p>
-            <a:r>
-              <a:rPr lang="en-US" sz="1600" dirty="0">
-                <a:solidFill>
-                  <a:schemeClr val="bg1"/>
-                </a:solidFill>
-              </a:rPr>
-              <a:t>From the curve above, 0.4 is the optimum point to take it as a cutoff probability.</a:t>
-            </a:r>
-            <a:endParaRPr lang="en-IN" sz="1600" dirty="0">
-              <a:solidFill>
-                <a:schemeClr val="bg1"/>
-              </a:solidFill>
-            </a:endParaRPr>
-          </a:p>
-        </p:txBody>
-      </p:sp>
-    </p:spTree>
-    <p:extLst>
-      <p:ext uri="{BB962C8B-B14F-4D97-AF65-F5344CB8AC3E}">
-        <p14:creationId xmlns:p14="http://schemas.microsoft.com/office/powerpoint/2010/main" val="180418230"/>
       </p:ext>
     </p:extLst>
   </p:cSld>
@@ -20201,6 +20615,24 @@
 </file>
 
 <file path=customXml/item1.xml><?xml version="1.0" encoding="utf-8"?>
+<?mso-contentType ?>
+<FormTemplates xmlns="http://schemas.microsoft.com/sharepoint/v3/contenttype/forms">
+  <Display>DocumentLibraryForm</Display>
+  <Edit>DocumentLibraryForm</Edit>
+  <New>DocumentLibraryForm</New>
+</FormTemplates>
+</file>
+
+<file path=customXml/item2.xml><?xml version="1.0" encoding="utf-8"?>
+<p:properties xmlns:p="http://schemas.microsoft.com/office/2006/metadata/properties" xmlns:xsi="http://www.w3.org/2001/XMLSchema-instance" xmlns:pc="http://schemas.microsoft.com/office/infopath/2007/PartnerControls">
+  <documentManagement>
+    <Status xmlns="71af3243-3dd4-4a8d-8c0d-dd76da1f02a5">Not started</Status>
+    <MediaServiceKeyPoints xmlns="71af3243-3dd4-4a8d-8c0d-dd76da1f02a5" xsi:nil="true"/>
+  </documentManagement>
+</p:properties>
+</file>
+
+<file path=customXml/item3.xml><?xml version="1.0" encoding="utf-8"?>
 <ct:contentTypeSchema xmlns:ct="http://schemas.microsoft.com/office/2006/metadata/contentType" xmlns:ma="http://schemas.microsoft.com/office/2006/metadata/properties/metaAttributes" ct:_="" ma:_="" ma:contentTypeName="Document" ma:contentTypeID="0x01010079F111ED35F8CC479449609E8A0923A6" ma:contentTypeVersion="12" ma:contentTypeDescription="Create a new document." ma:contentTypeScope="" ma:versionID="426e97fa315356fffbdcd9876fe988c2">
   <xsd:schema xmlns:xsd="http://www.w3.org/2001/XMLSchema" xmlns:xs="http://www.w3.org/2001/XMLSchema" xmlns:p="http://schemas.microsoft.com/office/2006/metadata/properties" xmlns:ns2="71af3243-3dd4-4a8d-8c0d-dd76da1f02a5" xmlns:ns3="16c05727-aa75-4e4a-9b5f-8a80a1165891" targetNamespace="http://schemas.microsoft.com/office/2006/metadata/properties" ma:root="true" ma:fieldsID="14b8f0def80e6d70ce3def20c90759ae" ns2:_="" ns3:_="">
     <xsd:import namespace="71af3243-3dd4-4a8d-8c0d-dd76da1f02a5"/>
@@ -20421,25 +20853,25 @@
 </ct:contentTypeSchema>
 </file>
 
-<file path=customXml/item2.xml><?xml version="1.0" encoding="utf-8"?>
-<p:properties xmlns:p="http://schemas.microsoft.com/office/2006/metadata/properties" xmlns:xsi="http://www.w3.org/2001/XMLSchema-instance" xmlns:pc="http://schemas.microsoft.com/office/infopath/2007/PartnerControls">
-  <documentManagement>
-    <Status xmlns="71af3243-3dd4-4a8d-8c0d-dd76da1f02a5">Not started</Status>
-    <MediaServiceKeyPoints xmlns="71af3243-3dd4-4a8d-8c0d-dd76da1f02a5" xsi:nil="true"/>
-  </documentManagement>
-</p:properties>
+<file path=customXml/itemProps1.xml><?xml version="1.0" encoding="utf-8"?>
+<ds:datastoreItem xmlns:ds="http://schemas.openxmlformats.org/officeDocument/2006/customXml" ds:itemID="{1D20B6E4-879E-4E6C-BDE7-261540CD3765}">
+  <ds:schemaRefs>
+    <ds:schemaRef ds:uri="http://schemas.microsoft.com/sharepoint/v3/contenttype/forms"/>
+  </ds:schemaRefs>
+</ds:datastoreItem>
 </file>
 
-<file path=customXml/item3.xml><?xml version="1.0" encoding="utf-8"?>
-<?mso-contentType ?>
-<FormTemplates xmlns="http://schemas.microsoft.com/sharepoint/v3/contenttype/forms">
-  <Display>DocumentLibraryForm</Display>
-  <Edit>DocumentLibraryForm</Edit>
-  <New>DocumentLibraryForm</New>
-</FormTemplates>
+<file path=customXml/itemProps2.xml><?xml version="1.0" encoding="utf-8"?>
+<ds:datastoreItem xmlns:ds="http://schemas.openxmlformats.org/officeDocument/2006/customXml" ds:itemID="{09EC1AB0-9704-404D-B6D3-819D938AC55B}">
+  <ds:schemaRefs>
+    <ds:schemaRef ds:uri="http://schemas.microsoft.com/office/2006/metadata/properties"/>
+    <ds:schemaRef ds:uri="http://schemas.microsoft.com/office/infopath/2007/PartnerControls"/>
+    <ds:schemaRef ds:uri="71af3243-3dd4-4a8d-8c0d-dd76da1f02a5"/>
+  </ds:schemaRefs>
+</ds:datastoreItem>
 </file>
 
-<file path=customXml/itemProps1.xml><?xml version="1.0" encoding="utf-8"?>
+<file path=customXml/itemProps3.xml><?xml version="1.0" encoding="utf-8"?>
 <ds:datastoreItem xmlns:ds="http://schemas.openxmlformats.org/officeDocument/2006/customXml" ds:itemID="{94F21D10-BD83-491A-AAA6-945C2DB1EB01}">
   <ds:schemaRefs>
     <ds:schemaRef ds:uri="http://schemas.microsoft.com/office/2006/metadata/contentType"/>
@@ -20456,22 +20888,4 @@
     <ds:schemaRef ds:uri="http://schemas.microsoft.com/internal/obd"/>
   </ds:schemaRefs>
 </ds:datastoreItem>
-</file>
-
-<file path=customXml/itemProps2.xml><?xml version="1.0" encoding="utf-8"?>
-<ds:datastoreItem xmlns:ds="http://schemas.openxmlformats.org/officeDocument/2006/customXml" ds:itemID="{09EC1AB0-9704-404D-B6D3-819D938AC55B}">
-  <ds:schemaRefs>
-    <ds:schemaRef ds:uri="http://schemas.microsoft.com/office/2006/metadata/properties"/>
-    <ds:schemaRef ds:uri="http://schemas.microsoft.com/office/infopath/2007/PartnerControls"/>
-    <ds:schemaRef ds:uri="71af3243-3dd4-4a8d-8c0d-dd76da1f02a5"/>
-  </ds:schemaRefs>
-</ds:datastoreItem>
-</file>
-
-<file path=customXml/itemProps3.xml><?xml version="1.0" encoding="utf-8"?>
-<ds:datastoreItem xmlns:ds="http://schemas.openxmlformats.org/officeDocument/2006/customXml" ds:itemID="{1D20B6E4-879E-4E6C-BDE7-261540CD3765}">
-  <ds:schemaRefs>
-    <ds:schemaRef ds:uri="http://schemas.microsoft.com/sharepoint/v3/contenttype/forms"/>
-  </ds:schemaRefs>
-</ds:datastoreItem>
 </file>